--- a/JavaScript Fundamentals/09. Using Objects/Lecture/Using-Objects.pptx
+++ b/JavaScript Fundamentals/09. Using Objects/Lecture/Using-Objects.pptx
@@ -147,7 +147,7 @@
   </p:defaultTextStyle>
   <p:extLst>
     <p:ext uri="{EFAFB233-063F-42B5-8137-9DF3F51BA10A}">
-      <p15:sldGuideLst xmlns:p15="http://schemas.microsoft.com/office/powerpoint/2012/main" xmlns="">
+      <p15:sldGuideLst xmlns:p15="http://schemas.microsoft.com/office/powerpoint/2012/main">
         <p15:guide id="1" orient="horz" pos="2160" userDrawn="1">
           <p15:clr>
             <a:srgbClr val="A4A3A4"/>
@@ -246,7 +246,7 @@
           <a:p>
             <a:fld id="{7E643BE4-A3EE-43E1-B3EF-AE87DED6B10F}" type="datetimeFigureOut">
               <a:rPr lang="en-US" smtClean="0"/>
-              <a:t>4/29/2014</a:t>
+              <a:t>09-May-14</a:t>
             </a:fld>
             <a:endParaRPr lang="en-US"/>
           </a:p>
@@ -6886,11 +6886,11 @@
               </a:lnSpc>
             </a:pPr>
             <a:r>
-              <a:rPr kumimoji="0" lang="en-US"/>
+              <a:rPr kumimoji="0" lang="en-US" dirty="0"/>
               <a:t>An </a:t>
             </a:r>
             <a:r>
-              <a:rPr kumimoji="0" lang="en-US">
+              <a:rPr kumimoji="0" lang="en-US" dirty="0">
                 <a:solidFill>
                   <a:schemeClr val="accent5">
                     <a:lumMod val="20000"/>
@@ -6901,11 +6901,11 @@
               <a:t>object</a:t>
             </a:r>
             <a:r>
-              <a:rPr kumimoji="0" lang="en-US"/>
+              <a:rPr kumimoji="0" lang="en-US" dirty="0"/>
               <a:t> is a concrete </a:t>
             </a:r>
             <a:r>
-              <a:rPr kumimoji="0" lang="en-US">
+              <a:rPr kumimoji="0" lang="en-US" dirty="0">
                 <a:solidFill>
                   <a:schemeClr val="accent5">
                     <a:lumMod val="20000"/>
@@ -6916,9 +6916,14 @@
               <a:t>instance</a:t>
             </a:r>
             <a:r>
-              <a:rPr kumimoji="0" lang="en-US"/>
-              <a:t> of a particular class </a:t>
-            </a:r>
+              <a:rPr kumimoji="0" lang="en-US" dirty="0"/>
+              <a:t> of a particular </a:t>
+            </a:r>
+            <a:r>
+              <a:rPr kumimoji="0" lang="en-US" dirty="0" smtClean="0"/>
+              <a:t>object type</a:t>
+            </a:r>
+            <a:endParaRPr kumimoji="0" lang="en-US" dirty="0"/>
           </a:p>
           <a:p>
             <a:pPr>
@@ -6927,11 +6932,19 @@
               </a:lnSpc>
             </a:pPr>
             <a:r>
-              <a:rPr kumimoji="0" lang="en-US"/>
-              <a:t>Creating an object from a class is called </a:t>
-            </a:r>
-            <a:r>
-              <a:rPr kumimoji="0" lang="en-US">
+              <a:rPr kumimoji="0" lang="en-US" dirty="0"/>
+              <a:t>Creating an object from </a:t>
+            </a:r>
+            <a:r>
+              <a:rPr kumimoji="0" lang="en-US" dirty="0" smtClean="0"/>
+              <a:t>an object type is </a:t>
+            </a:r>
+            <a:r>
+              <a:rPr kumimoji="0" lang="en-US" dirty="0"/>
+              <a:t>called </a:t>
+            </a:r>
+            <a:r>
+              <a:rPr kumimoji="0" lang="en-US" dirty="0">
                 <a:solidFill>
                   <a:schemeClr val="accent5">
                     <a:lumMod val="20000"/>
@@ -6949,7 +6962,7 @@
               </a:lnSpc>
             </a:pPr>
             <a:r>
-              <a:rPr kumimoji="0" lang="en-US"/>
+              <a:rPr kumimoji="0" lang="en-US" dirty="0"/>
               <a:t>Objects have state</a:t>
             </a:r>
           </a:p>
@@ -6960,7 +6973,7 @@
               </a:lnSpc>
             </a:pPr>
             <a:r>
-              <a:rPr kumimoji="0" lang="en-US"/>
+              <a:rPr kumimoji="0" lang="en-US" dirty="0"/>
               <a:t>Set of values associated to their attributes</a:t>
             </a:r>
           </a:p>
@@ -6971,7 +6984,7 @@
               </a:lnSpc>
             </a:pPr>
             <a:r>
-              <a:rPr kumimoji="0" lang="en-US"/>
+              <a:rPr kumimoji="0" lang="en-US" dirty="0"/>
               <a:t>Example:</a:t>
             </a:r>
           </a:p>
@@ -6982,11 +6995,11 @@
               </a:lnSpc>
             </a:pPr>
             <a:r>
-              <a:rPr kumimoji="0" lang="en-US"/>
-              <a:t>Class: </a:t>
-            </a:r>
-            <a:r>
-              <a:rPr kumimoji="0" lang="en-US">
+              <a:rPr kumimoji="0" lang="en-US" dirty="0" smtClean="0"/>
+              <a:t>Type: </a:t>
+            </a:r>
+            <a:r>
+              <a:rPr kumimoji="0" lang="en-US" dirty="0">
                 <a:latin typeface="Consolas" pitchFamily="49" charset="0"/>
                 <a:cs typeface="Consolas" pitchFamily="49" charset="0"/>
               </a:rPr>
@@ -7000,7 +7013,7 @@
               </a:lnSpc>
             </a:pPr>
             <a:r>
-              <a:rPr kumimoji="0" lang="en-US"/>
+              <a:rPr kumimoji="0" lang="en-US" dirty="0"/>
               <a:t>Objects: Ivan's account, Peter's account</a:t>
             </a:r>
           </a:p>
@@ -7446,13 +7459,13 @@
         </p:nvSpPr>
         <p:spPr bwMode="auto">
           <a:xfrm>
-            <a:off x="2389840" y="1307424"/>
-            <a:ext cx="1219199" cy="506086"/>
+            <a:off x="1643479" y="1466600"/>
+            <a:ext cx="2205039" cy="506086"/>
           </a:xfrm>
           <a:prstGeom prst="wedgeRoundRectCallout">
             <a:avLst>
-              <a:gd name="adj1" fmla="val -73395"/>
-              <a:gd name="adj2" fmla="val 155741"/>
+              <a:gd name="adj1" fmla="val -5756"/>
+              <a:gd name="adj2" fmla="val 125920"/>
               <a:gd name="adj3" fmla="val 16667"/>
             </a:avLst>
           </a:prstGeom>
@@ -7490,7 +7503,7 @@
               <a:buSzPct val="70000"/>
             </a:pPr>
             <a:r>
-              <a:rPr lang="en-US" sz="2600" b="1">
+              <a:rPr lang="en-US" sz="2600" b="1" dirty="0" smtClean="0">
                 <a:solidFill>
                   <a:srgbClr val="F7FFE7"/>
                 </a:solidFill>
@@ -7504,9 +7517,9 @@
                 <a:latin typeface="+mn-lt"/>
                 <a:cs typeface="Consolas" pitchFamily="49" charset="0"/>
               </a:rPr>
-              <a:t>Class</a:t>
-            </a:r>
-            <a:endParaRPr lang="bg-BG" sz="2600" b="1">
+              <a:t>Object Type</a:t>
+            </a:r>
+            <a:endParaRPr lang="bg-BG" sz="2600" b="1" dirty="0">
               <a:solidFill>
                 <a:srgbClr val="F7FFE7"/>
               </a:solidFill>
@@ -9094,14 +9107,10 @@
                   </a:schemeClr>
                 </a:solidFill>
               </a:rPr>
-              <a:t>.join(", ")</a:t>
-            </a:r>
-            <a:r>
-              <a:rPr lang="en-US" noProof="1" smtClean="0"/>
-              <a:t>; // property </a:t>
-            </a:r>
-            <a:r>
-              <a:rPr lang="en-US" noProof="1" smtClean="0">
+              <a:t>.join</a:t>
+            </a:r>
+            <a:r>
+              <a:rPr lang="en-US" noProof="1">
                 <a:solidFill>
                   <a:schemeClr val="tx1">
                     <a:lumMod val="20000"/>
@@ -9109,17 +9118,11 @@
                   </a:schemeClr>
                 </a:solidFill>
               </a:rPr>
-              <a:t>join</a:t>
+              <a:t>(', ')</a:t>
             </a:r>
             <a:r>
               <a:rPr lang="en-US" noProof="1" smtClean="0"/>
-              <a:t> of Array</a:t>
-            </a:r>
-          </a:p>
-          <a:p>
-            <a:r>
-              <a:rPr lang="en-US" noProof="1" smtClean="0"/>
-              <a:t>var length = arr</a:t>
+              <a:t>; // property </a:t>
             </a:r>
             <a:r>
               <a:rPr lang="en-US" noProof="1" smtClean="0">
@@ -9130,11 +9133,17 @@
                   </a:schemeClr>
                 </a:solidFill>
               </a:rPr>
-              <a:t>.length</a:t>
+              <a:t>join</a:t>
             </a:r>
             <a:r>
               <a:rPr lang="en-US" noProof="1" smtClean="0"/>
-              <a:t>;  // property </a:t>
+              <a:t> of Array</a:t>
+            </a:r>
+          </a:p>
+          <a:p>
+            <a:r>
+              <a:rPr lang="en-US" noProof="1" smtClean="0"/>
+              <a:t>var length = arr</a:t>
             </a:r>
             <a:r>
               <a:rPr lang="en-US" noProof="1" smtClean="0">
@@ -9145,17 +9154,11 @@
                   </a:schemeClr>
                 </a:solidFill>
               </a:rPr>
-              <a:t>length</a:t>
+              <a:t>.length</a:t>
             </a:r>
             <a:r>
               <a:rPr lang="en-US" noProof="1" smtClean="0"/>
-              <a:t> of Array</a:t>
-            </a:r>
-          </a:p>
-          <a:p>
-            <a:r>
-              <a:rPr lang="en-US" noProof="1" smtClean="0"/>
-              <a:t>var words = text.</a:t>
+              <a:t>;  // property </a:t>
             </a:r>
             <a:r>
               <a:rPr lang="en-US" noProof="1" smtClean="0">
@@ -9166,7 +9169,39 @@
                   </a:schemeClr>
                 </a:solidFill>
               </a:rPr>
-              <a:t>split(" ")</a:t>
+              <a:t>length</a:t>
+            </a:r>
+            <a:r>
+              <a:rPr lang="en-US" noProof="1" smtClean="0"/>
+              <a:t> of Array</a:t>
+            </a:r>
+          </a:p>
+          <a:p>
+            <a:r>
+              <a:rPr lang="en-US" noProof="1" smtClean="0"/>
+              <a:t>var words = text.</a:t>
+            </a:r>
+            <a:r>
+              <a:rPr lang="en-US" noProof="1" smtClean="0">
+                <a:solidFill>
+                  <a:schemeClr val="tx1">
+                    <a:lumMod val="20000"/>
+                    <a:lumOff val="80000"/>
+                  </a:schemeClr>
+                </a:solidFill>
+              </a:rPr>
+              <a:t>split</a:t>
+            </a:r>
+            <a:r>
+              <a:rPr lang="en-US" noProof="1">
+                <a:solidFill>
+                  <a:schemeClr val="tx1">
+                    <a:lumMod val="20000"/>
+                    <a:lumOff val="80000"/>
+                  </a:schemeClr>
+                </a:solidFill>
+              </a:rPr>
+              <a:t>(' ')</a:t>
             </a:r>
             <a:r>
               <a:rPr lang="en-US" noProof="1" smtClean="0"/>
@@ -9318,7 +9353,18 @@
           <a:p>
             <a:r>
               <a:rPr lang="en-US" dirty="0" smtClean="0"/>
-              <a:t>Reference and Primitive Types</a:t>
+              <a:t>Object and </a:t>
+            </a:r>
+            <a:br>
+              <a:rPr lang="en-US" dirty="0" smtClean="0"/>
+            </a:br>
+            <a:r>
+              <a:rPr lang="en-US" dirty="0" smtClean="0"/>
+              <a:t>Primitive </a:t>
+            </a:r>
+            <a:r>
+              <a:rPr lang="en-US" dirty="0" smtClean="0"/>
+              <a:t>Types</a:t>
             </a:r>
             <a:endParaRPr lang="bg-BG" dirty="0"/>
           </a:p>
@@ -9643,12 +9689,13 @@
                   </a:schemeClr>
                 </a:solidFill>
               </a:rPr>
-              <a:t>reference</a:t>
+              <a:t>Object </a:t>
             </a:r>
             <a:r>
               <a:rPr lang="en-US" sz="3000" dirty="0" smtClean="0"/>
-              <a:t> type</a:t>
-            </a:r>
+              <a:t>type</a:t>
+            </a:r>
+            <a:endParaRPr lang="en-US" sz="3000" dirty="0" smtClean="0"/>
           </a:p>
           <a:p>
             <a:pPr lvl="1">
@@ -9658,7 +9705,11 @@
             </a:pPr>
             <a:r>
               <a:rPr lang="en-US" sz="2800" dirty="0" smtClean="0"/>
-              <a:t>Copied by </a:t>
+              <a:t>It is copied </a:t>
+            </a:r>
+            <a:r>
+              <a:rPr lang="en-US" sz="2800" dirty="0" smtClean="0"/>
+              <a:t>by </a:t>
             </a:r>
             <a:r>
               <a:rPr lang="en-US" sz="2800" dirty="0" smtClean="0">
@@ -10942,8 +10993,12 @@
           <a:lstStyle/>
           <a:p>
             <a:r>
+              <a:rPr lang="en-US" dirty="0" smtClean="0"/>
+              <a:t>Object Types and </a:t>
+            </a:r>
+            <a:r>
               <a:rPr lang="en-US" dirty="0"/>
-              <a:t>Classes and Objects</a:t>
+              <a:t>Objects</a:t>
             </a:r>
           </a:p>
           <a:p>
@@ -10954,8 +11009,12 @@
           </a:p>
           <a:p>
             <a:r>
+              <a:rPr lang="en-US" dirty="0" smtClean="0"/>
+              <a:t>Object and </a:t>
+            </a:r>
+            <a:r>
               <a:rPr lang="en-US" dirty="0"/>
-              <a:t>Reference and Primitive Types</a:t>
+              <a:t>Primitive Types</a:t>
             </a:r>
           </a:p>
           <a:p>
@@ -11159,7 +11218,11 @@
             </a:pPr>
             <a:r>
               <a:rPr lang="en-US" dirty="0" smtClean="0"/>
-              <a:t>Primitive types have a reference type </a:t>
+              <a:t>Primitive types have a </a:t>
+            </a:r>
+            <a:r>
+              <a:rPr lang="en-US" dirty="0" smtClean="0"/>
+              <a:t>object type </a:t>
             </a:r>
             <a:r>
               <a:rPr lang="en-US" dirty="0" smtClean="0">
@@ -11413,7 +11476,7 @@
           <a:p>
             <a:r>
               <a:rPr lang="en-US" sz="1800" dirty="0" smtClean="0"/>
-              <a:t>var text = "Hello there!";</a:t>
+              <a:t>var text = 'Hello there!';</a:t>
             </a:r>
             <a:endParaRPr lang="en-US" sz="1800" dirty="0"/>
           </a:p>
@@ -11657,7 +11720,15 @@
           <a:p>
             <a:r>
               <a:rPr lang="en-US" sz="1800" noProof="1" smtClean="0"/>
-              <a:t>var numberObj = new Number(5); // Holds a reference value of 5</a:t>
+              <a:t>var numberObj = new Number(5); // Holds a </a:t>
+            </a:r>
+            <a:r>
+              <a:rPr lang="en-US" sz="1800" noProof="1" smtClean="0"/>
+              <a:t>object value </a:t>
+            </a:r>
+            <a:r>
+              <a:rPr lang="en-US" sz="1800" noProof="1" smtClean="0"/>
+              <a:t>of 5</a:t>
             </a:r>
             <a:endParaRPr lang="en-US" sz="1800" noProof="1"/>
           </a:p>
@@ -12003,13 +12074,45 @@
           <a:p>
             <a:r>
               <a:rPr lang="en-US" sz="1800" noProof="1" smtClean="0"/>
-              <a:t>var fname = "Pesho";</a:t>
-            </a:r>
-          </a:p>
-          <a:p>
+              <a:t>var fname = </a:t>
+            </a:r>
+            <a:r>
+              <a:rPr lang="en-US" sz="1800" dirty="0" smtClean="0"/>
+              <a:t>'</a:t>
+            </a:r>
             <a:r>
               <a:rPr lang="en-US" sz="1800" noProof="1" smtClean="0"/>
-              <a:t>var lname = "Ivanov";</a:t>
+              <a:t>Pesho</a:t>
+            </a:r>
+            <a:r>
+              <a:rPr lang="en-US" sz="1800" dirty="0"/>
+              <a:t>'</a:t>
+            </a:r>
+            <a:r>
+              <a:rPr lang="en-US" sz="1800" noProof="1" smtClean="0"/>
+              <a:t>;</a:t>
+            </a:r>
+          </a:p>
+          <a:p>
+            <a:r>
+              <a:rPr lang="en-US" sz="1800" noProof="1" smtClean="0"/>
+              <a:t>var lname = </a:t>
+            </a:r>
+            <a:r>
+              <a:rPr lang="en-US" sz="1800" dirty="0" smtClean="0"/>
+              <a:t>'</a:t>
+            </a:r>
+            <a:r>
+              <a:rPr lang="en-US" sz="1800" noProof="1" smtClean="0"/>
+              <a:t>Ivanov</a:t>
+            </a:r>
+            <a:r>
+              <a:rPr lang="en-US" sz="1800" dirty="0"/>
+              <a:t>'</a:t>
+            </a:r>
+            <a:r>
+              <a:rPr lang="en-US" sz="1800" noProof="1" smtClean="0"/>
+              <a:t>;</a:t>
             </a:r>
           </a:p>
           <a:p>
@@ -12020,7 +12123,7 @@
             </a:pPr>
             <a:r>
               <a:rPr lang="en-US" sz="1800" noProof="1" smtClean="0"/>
-              <a:t>var person = {firstName:fname, lastName:lname};</a:t>
+              <a:t>var person = { firstName: fname, lastName: lname };</a:t>
             </a:r>
           </a:p>
           <a:p>
@@ -12031,14 +12134,43 @@
             </a:pPr>
             <a:r>
               <a:rPr lang="en-US" sz="1800" noProof="1" smtClean="0"/>
-              <a:t>lname = "Petrov";</a:t>
-            </a:r>
-          </a:p>
-          <a:p>
+              <a:t>lname = </a:t>
+            </a:r>
+            <a:r>
+              <a:rPr lang="en-US" sz="1800" dirty="0" smtClean="0"/>
+              <a:t>'</a:t>
+            </a:r>
             <a:r>
               <a:rPr lang="en-US" sz="1800" noProof="1" smtClean="0"/>
-              <a:t>console.log(person.lastName) // logged "Ivanov"</a:t>
-            </a:r>
+              <a:t>Petrov</a:t>
+            </a:r>
+            <a:r>
+              <a:rPr lang="en-US" sz="1800" dirty="0"/>
+              <a:t>'</a:t>
+            </a:r>
+            <a:r>
+              <a:rPr lang="en-US" sz="1800" noProof="1" smtClean="0"/>
+              <a:t>;</a:t>
+            </a:r>
+          </a:p>
+          <a:p>
+            <a:r>
+              <a:rPr lang="en-US" sz="1800" noProof="1" smtClean="0"/>
+              <a:t>console.log(person.lastName) // logged </a:t>
+            </a:r>
+            <a:r>
+              <a:rPr lang="en-US" sz="1800" dirty="0" smtClean="0"/>
+              <a:t>'</a:t>
+            </a:r>
+            <a:r>
+              <a:rPr lang="en-US" sz="1800" noProof="1" smtClean="0"/>
+              <a:t>Ivanov</a:t>
+            </a:r>
+            <a:r>
+              <a:rPr lang="en-US" sz="1800" dirty="0"/>
+              <a:t>'</a:t>
+            </a:r>
+            <a:endParaRPr lang="en-US" sz="1800" noProof="1" smtClean="0"/>
           </a:p>
         </p:txBody>
       </p:sp>
@@ -12197,7 +12329,7 @@
         </p:nvSpPr>
         <p:spPr>
           <a:xfrm>
-            <a:off x="228600" y="1306286"/>
+            <a:off x="228600" y="1053000"/>
             <a:ext cx="8686800" cy="5399314"/>
           </a:xfrm>
         </p:spPr>
@@ -12223,8 +12355,16 @@
                   </a:schemeClr>
                 </a:solidFill>
               </a:rPr>
-              <a:t>reference type</a:t>
-            </a:r>
+              <a:t>object type</a:t>
+            </a:r>
+            <a:endParaRPr lang="en-US" dirty="0" smtClean="0">
+              <a:solidFill>
+                <a:schemeClr val="accent5">
+                  <a:lumMod val="20000"/>
+                  <a:lumOff val="80000"/>
+                </a:schemeClr>
+              </a:solidFill>
+            </a:endParaRPr>
           </a:p>
           <a:p>
             <a:pPr lvl="1">
@@ -12249,7 +12389,7 @@
         </p:nvSpPr>
         <p:spPr>
           <a:xfrm>
-            <a:off x="684000" y="3302678"/>
+            <a:off x="684000" y="3069000"/>
             <a:ext cx="7776000" cy="2862322"/>
           </a:xfrm>
           <a:prstGeom prst="rect">
@@ -12477,37 +12617,105 @@
           <a:p>
             <a:r>
               <a:rPr lang="en-US" sz="1800" noProof="1" smtClean="0"/>
-              <a:t>  {subject : "JavaScript", score : 4.50},</a:t>
-            </a:r>
-          </a:p>
-          <a:p>
+              <a:t>  { subject : </a:t>
+            </a:r>
+            <a:r>
+              <a:rPr lang="en-US" sz="1800" dirty="0" smtClean="0"/>
+              <a:t>'</a:t>
+            </a:r>
             <a:r>
               <a:rPr lang="en-US" sz="1800" noProof="1" smtClean="0"/>
-              <a:t>  {subject : "OOP", score : 5.00},</a:t>
+              <a:t>JavaScript</a:t>
+            </a:r>
+            <a:r>
+              <a:rPr lang="en-US" sz="1800" dirty="0"/>
+              <a:t>'</a:t>
+            </a:r>
+            <a:r>
+              <a:rPr lang="en-US" sz="1800" noProof="1" smtClean="0"/>
+              <a:t>, score : 4.50 },</a:t>
+            </a:r>
+          </a:p>
+          <a:p>
+            <a:r>
+              <a:rPr lang="en-US" sz="1800" noProof="1" smtClean="0"/>
+              <a:t>  { subject : </a:t>
+            </a:r>
+            <a:r>
+              <a:rPr lang="en-US" sz="1800" dirty="0" smtClean="0"/>
+              <a:t>'</a:t>
+            </a:r>
+            <a:r>
+              <a:rPr lang="en-US" sz="1800" noProof="1" smtClean="0"/>
+              <a:t>OOP</a:t>
+            </a:r>
+            <a:r>
+              <a:rPr lang="en-US" sz="1800" dirty="0"/>
+              <a:t>'</a:t>
+            </a:r>
+            <a:r>
+              <a:rPr lang="en-US" sz="1800" noProof="1" smtClean="0"/>
+              <a:t>, score : 5.00 },</a:t>
             </a:r>
           </a:p>
           <a:p>
             <a:r>
               <a:rPr lang="en-US" sz="1800" noProof="1"/>
-              <a:t>  {subject : </a:t>
+              <a:t>  </a:t>
             </a:r>
             <a:r>
               <a:rPr lang="en-US" sz="1800" noProof="1" smtClean="0"/>
-              <a:t>"HTML5", </a:t>
+              <a:t>{ subject </a:t>
             </a:r>
             <a:r>
               <a:rPr lang="en-US" sz="1800" noProof="1"/>
-              <a:t>score : 6.00</a:t>
+              <a:t>: </a:t>
+            </a:r>
+            <a:r>
+              <a:rPr lang="en-US" sz="1800" dirty="0" smtClean="0"/>
+              <a:t>'</a:t>
             </a:r>
             <a:r>
               <a:rPr lang="en-US" sz="1800" noProof="1" smtClean="0"/>
-              <a:t>},</a:t>
-            </a:r>
-          </a:p>
-          <a:p>
+              <a:t>HTML5</a:t>
+            </a:r>
+            <a:r>
+              <a:rPr lang="en-US" sz="1800" dirty="0"/>
+              <a:t>'</a:t>
+            </a:r>
             <a:r>
               <a:rPr lang="en-US" sz="1800" noProof="1" smtClean="0"/>
-              <a:t>  {subject : "Photoshop", score : 4.00}];</a:t>
+              <a:t>, </a:t>
+            </a:r>
+            <a:r>
+              <a:rPr lang="en-US" sz="1800" noProof="1"/>
+              <a:t>score : </a:t>
+            </a:r>
+            <a:r>
+              <a:rPr lang="en-US" sz="1800" noProof="1" smtClean="0"/>
+              <a:t>6.00 },</a:t>
+            </a:r>
+          </a:p>
+          <a:p>
+            <a:r>
+              <a:rPr lang="en-US" sz="1800" noProof="1" smtClean="0"/>
+              <a:t>  { subject : </a:t>
+            </a:r>
+            <a:r>
+              <a:rPr lang="en-US" sz="1800" dirty="0" smtClean="0"/>
+              <a:t>'</a:t>
+            </a:r>
+            <a:r>
+              <a:rPr lang="en-US" sz="1800" noProof="1" smtClean="0"/>
+              <a:t>Photoshop</a:t>
+            </a:r>
+            <a:r>
+              <a:rPr lang="en-US" sz="1800" dirty="0"/>
+              <a:t>'</a:t>
+            </a:r>
+            <a:r>
+              <a:rPr lang="en-US" sz="1800" noProof="1" smtClean="0"/>
+              <a:t>, score : 4.00 }];</a:t>
             </a:r>
           </a:p>
           <a:p>
@@ -12516,7 +12724,23 @@
           <a:p>
             <a:r>
               <a:rPr lang="en-US" sz="1800" noProof="1" smtClean="0"/>
-              <a:t>var student = {name:"Doncho Minkov", marks:marks};</a:t>
+              <a:t>var student = { name: </a:t>
+            </a:r>
+            <a:r>
+              <a:rPr lang="en-US" sz="1800" dirty="0"/>
+              <a:t>'</a:t>
+            </a:r>
+            <a:r>
+              <a:rPr lang="en-US" sz="1800" noProof="1" smtClean="0"/>
+              <a:t>Doncho Minkov</a:t>
+            </a:r>
+            <a:r>
+              <a:rPr lang="en-US" sz="1800" dirty="0"/>
+              <a:t>'</a:t>
+            </a:r>
+            <a:r>
+              <a:rPr lang="en-US" sz="1800" noProof="1" smtClean="0"/>
+              <a:t>, marks: marks };</a:t>
             </a:r>
           </a:p>
           <a:p>
@@ -12603,7 +12827,11 @@
           <a:p>
             <a:r>
               <a:rPr lang="en-US" dirty="0" smtClean="0"/>
-              <a:t>Reference Types</a:t>
+              <a:t>Object </a:t>
+            </a:r>
+            <a:r>
+              <a:rPr lang="en-US" dirty="0" smtClean="0"/>
+              <a:t>Types</a:t>
             </a:r>
             <a:endParaRPr lang="bg-BG" dirty="0"/>
           </a:p>
@@ -12621,7 +12849,7 @@
         </p:nvSpPr>
         <p:spPr>
           <a:xfrm>
-            <a:off x="609600" y="3861366"/>
+            <a:off x="609600" y="3573000"/>
             <a:ext cx="7924800" cy="569120"/>
           </a:xfrm>
         </p:spPr>
@@ -12630,10 +12858,10 @@
           <a:lstStyle/>
           <a:p>
             <a:r>
-              <a:rPr lang="en-US" smtClean="0"/>
+              <a:rPr lang="en-US" dirty="0" smtClean="0"/>
               <a:t>Live Demo</a:t>
             </a:r>
-            <a:endParaRPr lang="bg-BG"/>
+            <a:endParaRPr lang="bg-BG" dirty="0"/>
           </a:p>
         </p:txBody>
       </p:sp>
@@ -13130,25 +13358,89 @@
           <a:p>
             <a:r>
               <a:rPr lang="en-US" noProof="1" smtClean="0"/>
-              <a:t>  firstName : "Doncho",</a:t>
-            </a:r>
-          </a:p>
-          <a:p>
+              <a:t>  </a:t>
+            </a:r>
             <a:r>
               <a:rPr lang="en-US" noProof="1" smtClean="0"/>
-              <a:t>  lastName : "Minkov",</a:t>
-            </a:r>
-          </a:p>
-          <a:p>
+              <a:t>firstName: </a:t>
+            </a:r>
+            <a:r>
+              <a:rPr lang="en-US" dirty="0" smtClean="0"/>
+              <a:t>'</a:t>
+            </a:r>
             <a:r>
               <a:rPr lang="en-US" noProof="1" smtClean="0"/>
-              <a:t>  toString : function personToString() {</a:t>
-            </a:r>
-          </a:p>
-          <a:p>
+              <a:t>Doncho</a:t>
+            </a:r>
+            <a:r>
+              <a:rPr lang="en-US" dirty="0"/>
+              <a:t>'</a:t>
+            </a:r>
             <a:r>
               <a:rPr lang="en-US" noProof="1" smtClean="0"/>
-              <a:t>    return this.firstName + " " + this.lastName;</a:t>
+              <a:t>,</a:t>
+            </a:r>
+          </a:p>
+          <a:p>
+            <a:r>
+              <a:rPr lang="en-US" noProof="1" smtClean="0"/>
+              <a:t>  </a:t>
+            </a:r>
+            <a:r>
+              <a:rPr lang="en-US" noProof="1" smtClean="0"/>
+              <a:t>lastName: </a:t>
+            </a:r>
+            <a:r>
+              <a:rPr lang="en-US" dirty="0"/>
+              <a:t>'</a:t>
+            </a:r>
+            <a:r>
+              <a:rPr lang="en-US" noProof="1" smtClean="0"/>
+              <a:t>Minkov</a:t>
+            </a:r>
+            <a:r>
+              <a:rPr lang="en-US" dirty="0"/>
+              <a:t>'</a:t>
+            </a:r>
+            <a:r>
+              <a:rPr lang="en-US" noProof="1" smtClean="0"/>
+              <a:t>,</a:t>
+            </a:r>
+          </a:p>
+          <a:p>
+            <a:r>
+              <a:rPr lang="en-US" noProof="1" smtClean="0"/>
+              <a:t>  </a:t>
+            </a:r>
+            <a:r>
+              <a:rPr lang="en-US" noProof="1" smtClean="0"/>
+              <a:t>toString: </a:t>
+            </a:r>
+            <a:r>
+              <a:rPr lang="en-US" noProof="1" smtClean="0"/>
+              <a:t>function personToString() {</a:t>
+            </a:r>
+          </a:p>
+          <a:p>
+            <a:r>
+              <a:rPr lang="en-US" noProof="1" smtClean="0"/>
+              <a:t>    return this.firstName + </a:t>
+            </a:r>
+            <a:r>
+              <a:rPr lang="en-US" dirty="0"/>
+              <a:t>'</a:t>
+            </a:r>
+            <a:r>
+              <a:rPr lang="en-US" noProof="1" smtClean="0"/>
+              <a:t> </a:t>
+            </a:r>
+            <a:r>
+              <a:rPr lang="en-US" dirty="0"/>
+              <a:t>'</a:t>
+            </a:r>
+            <a:r>
+              <a:rPr lang="en-US" noProof="1" smtClean="0"/>
+              <a:t> + this.lastName;</a:t>
             </a:r>
           </a:p>
           <a:p>
@@ -13176,7 +13468,7 @@
         </p:nvSpPr>
         <p:spPr>
           <a:xfrm>
-            <a:off x="481584" y="5476890"/>
+            <a:off x="473266" y="5516515"/>
             <a:ext cx="8180832" cy="400110"/>
           </a:xfrm>
           <a:prstGeom prst="rect">
@@ -13398,7 +13690,19 @@
           <a:p>
             <a:r>
               <a:rPr lang="en-US" noProof="1" smtClean="0"/>
-              <a:t>console.log(person.toString()); // writes "Doncho Minkov"</a:t>
+              <a:t>console.log(person.toString()); // writes </a:t>
+            </a:r>
+            <a:r>
+              <a:rPr lang="en-US" dirty="0"/>
+              <a:t>'</a:t>
+            </a:r>
+            <a:r>
+              <a:rPr lang="en-US" noProof="1" smtClean="0"/>
+              <a:t>Doncho Minkov</a:t>
+            </a:r>
+            <a:r>
+              <a:rPr lang="en-US" dirty="0"/>
+              <a:t>'</a:t>
             </a:r>
             <a:endParaRPr lang="en-US" noProof="1"/>
           </a:p>
@@ -13642,7 +13946,7 @@
         </p:nvSpPr>
         <p:spPr>
           <a:xfrm>
-            <a:off x="481584" y="2821729"/>
+            <a:off x="481584" y="2709000"/>
             <a:ext cx="8180832" cy="1831271"/>
           </a:xfrm>
           <a:prstGeom prst="rect">
@@ -13864,13 +14168,77 @@
           <a:p>
             <a:r>
               <a:rPr lang="en-US" sz="1800" noProof="1" smtClean="0"/>
-              <a:t>var minkov = {fname : "Doncho", lname : "Minkov",</a:t>
-            </a:r>
-          </a:p>
-          <a:p>
+              <a:t>var minkov = {</a:t>
+            </a:r>
             <a:r>
               <a:rPr lang="en-US" sz="1800" noProof="1" smtClean="0"/>
-              <a:t>  toString : function(){ return this.fname + " " + this.lname;}</a:t>
+              <a:t>fname: </a:t>
+            </a:r>
+            <a:r>
+              <a:rPr lang="en-US" sz="1800" dirty="0" smtClean="0"/>
+              <a:t>'</a:t>
+            </a:r>
+            <a:r>
+              <a:rPr lang="en-US" sz="1800" noProof="1" smtClean="0"/>
+              <a:t>Doncho</a:t>
+            </a:r>
+            <a:r>
+              <a:rPr lang="en-US" sz="1800" dirty="0"/>
+              <a:t>'</a:t>
+            </a:r>
+            <a:r>
+              <a:rPr lang="en-US" sz="1800" noProof="1" smtClean="0"/>
+              <a:t>, </a:t>
+            </a:r>
+            <a:r>
+              <a:rPr lang="en-US" sz="1800" noProof="1" smtClean="0"/>
+              <a:t>lname: </a:t>
+            </a:r>
+            <a:r>
+              <a:rPr lang="en-US" sz="1800" dirty="0" smtClean="0"/>
+              <a:t>'</a:t>
+            </a:r>
+            <a:r>
+              <a:rPr lang="en-US" sz="1800" noProof="1" smtClean="0"/>
+              <a:t>Minkov</a:t>
+            </a:r>
+            <a:r>
+              <a:rPr lang="en-US" sz="1800" dirty="0"/>
+              <a:t>'</a:t>
+            </a:r>
+            <a:r>
+              <a:rPr lang="en-US" sz="1800" noProof="1" smtClean="0"/>
+              <a:t>,</a:t>
+            </a:r>
+          </a:p>
+          <a:p>
+            <a:r>
+              <a:rPr lang="en-US" sz="1800" noProof="1" smtClean="0"/>
+              <a:t>  </a:t>
+            </a:r>
+            <a:r>
+              <a:rPr lang="en-US" sz="1800" noProof="1" smtClean="0"/>
+              <a:t>toString: </a:t>
+            </a:r>
+            <a:r>
+              <a:rPr lang="en-US" sz="1800" noProof="1" smtClean="0"/>
+              <a:t>function(){ return this.fname + </a:t>
+            </a:r>
+            <a:r>
+              <a:rPr lang="en-US" sz="1800" dirty="0"/>
+              <a:t>'</a:t>
+            </a:r>
+            <a:r>
+              <a:rPr lang="en-US" sz="1800" noProof="1" smtClean="0"/>
+              <a:t> </a:t>
+            </a:r>
+            <a:r>
+              <a:rPr lang="en-US" sz="1800" dirty="0"/>
+              <a:t>'</a:t>
+            </a:r>
+            <a:r>
+              <a:rPr lang="en-US" sz="1800" noProof="1" smtClean="0"/>
+              <a:t> + this.lname;}</a:t>
             </a:r>
           </a:p>
           <a:p>
@@ -13887,14 +14255,78 @@
             </a:pPr>
             <a:r>
               <a:rPr lang="en-US" sz="1800" noProof="1" smtClean="0"/>
-              <a:t>var georgiev = { fname : "Georgi", lname : "Georgiev", </a:t>
+              <a:t>var georgiev = { </a:t>
+            </a:r>
+            <a:r>
+              <a:rPr lang="en-US" sz="1800" noProof="1" smtClean="0"/>
+              <a:t>fname: </a:t>
+            </a:r>
+            <a:r>
+              <a:rPr lang="en-US" sz="1800" dirty="0" smtClean="0"/>
+              <a:t>'</a:t>
+            </a:r>
+            <a:r>
+              <a:rPr lang="en-US" sz="1800" noProof="1" smtClean="0"/>
+              <a:t>Georgi</a:t>
+            </a:r>
+            <a:r>
+              <a:rPr lang="en-US" sz="1800" dirty="0"/>
+              <a:t>'</a:t>
+            </a:r>
+            <a:r>
+              <a:rPr lang="en-US" sz="1800" noProof="1" smtClean="0"/>
+              <a:t>, </a:t>
+            </a:r>
+            <a:r>
+              <a:rPr lang="en-US" sz="1800" noProof="1" smtClean="0"/>
+              <a:t>lname: </a:t>
+            </a:r>
+            <a:r>
+              <a:rPr lang="en-US" sz="1800" dirty="0" smtClean="0"/>
+              <a:t>'</a:t>
+            </a:r>
+            <a:r>
+              <a:rPr lang="en-US" sz="1800" noProof="1" smtClean="0"/>
+              <a:t>Georgiev</a:t>
+            </a:r>
+            <a:r>
+              <a:rPr lang="en-US" sz="1800" dirty="0"/>
+              <a:t>'</a:t>
+            </a:r>
+            <a:r>
+              <a:rPr lang="en-US" sz="1800" noProof="1" smtClean="0"/>
+              <a:t>, </a:t>
             </a:r>
             <a:br>
               <a:rPr lang="en-US" sz="1800" noProof="1" smtClean="0"/>
             </a:br>
             <a:r>
               <a:rPr lang="en-US" sz="1800" noProof="1" smtClean="0"/>
-              <a:t>  toString : function(){ return this.fname + " " + this.lname;}</a:t>
+              <a:t>  </a:t>
+            </a:r>
+            <a:r>
+              <a:rPr lang="en-US" sz="1800" noProof="1" smtClean="0"/>
+              <a:t>toString: </a:t>
+            </a:r>
+            <a:r>
+              <a:rPr lang="en-US" sz="1800" noProof="1" smtClean="0"/>
+              <a:t>function(){ return this.fname + </a:t>
+            </a:r>
+            <a:r>
+              <a:rPr lang="en-US" sz="1800" dirty="0"/>
+              <a:t>'</a:t>
+            </a:r>
+            <a:r>
+              <a:rPr lang="en-US" sz="1800" noProof="1" smtClean="0"/>
+              <a:t> </a:t>
+            </a:r>
+            <a:r>
+              <a:rPr lang="en-US" sz="1800" dirty="0"/>
+              <a:t>'</a:t>
+            </a:r>
+            <a:r>
+              <a:rPr lang="en-US" sz="1800" noProof="1" smtClean="0"/>
+              <a:t> + this.lname;}</a:t>
             </a:r>
           </a:p>
           <a:p>
@@ -14018,8 +14450,8 @@
         </p:nvSpPr>
         <p:spPr>
           <a:xfrm>
-            <a:off x="481584" y="2998733"/>
-            <a:ext cx="8180832" cy="2662267"/>
+            <a:off x="396000" y="2998733"/>
+            <a:ext cx="8352000" cy="2662267"/>
           </a:xfrm>
           <a:prstGeom prst="rect">
             <a:avLst/>
@@ -14252,19 +14684,59 @@
           <a:p>
             <a:r>
               <a:rPr lang="en-US" sz="1800" noProof="1" smtClean="0"/>
-              <a:t>    fname : fname, </a:t>
-            </a:r>
-          </a:p>
-          <a:p>
+              <a:t>    </a:t>
+            </a:r>
             <a:r>
               <a:rPr lang="en-US" sz="1800" noProof="1" smtClean="0"/>
-              <a:t>    lname : lname,</a:t>
-            </a:r>
-          </a:p>
-          <a:p>
+              <a:t>fname: </a:t>
+            </a:r>
             <a:r>
               <a:rPr lang="en-US" sz="1800" noProof="1" smtClean="0"/>
-              <a:t>    toString:function (){return this.fname + " " + this.lname;}</a:t>
+              <a:t>fname, </a:t>
+            </a:r>
+          </a:p>
+          <a:p>
+            <a:r>
+              <a:rPr lang="en-US" sz="1800" noProof="1" smtClean="0"/>
+              <a:t>    </a:t>
+            </a:r>
+            <a:r>
+              <a:rPr lang="en-US" sz="1800" noProof="1" smtClean="0"/>
+              <a:t>lname: </a:t>
+            </a:r>
+            <a:r>
+              <a:rPr lang="en-US" sz="1800" noProof="1" smtClean="0"/>
+              <a:t>lname,</a:t>
+            </a:r>
+          </a:p>
+          <a:p>
+            <a:r>
+              <a:rPr lang="en-US" sz="1800" noProof="1" smtClean="0"/>
+              <a:t>    toString</a:t>
+            </a:r>
+            <a:r>
+              <a:rPr lang="en-US" sz="1800" noProof="1" smtClean="0"/>
+              <a:t>: function </a:t>
+            </a:r>
+            <a:r>
+              <a:rPr lang="en-US" sz="1800" noProof="1" smtClean="0"/>
+              <a:t>(){return this.fname + </a:t>
+            </a:r>
+            <a:r>
+              <a:rPr lang="en-US" sz="1800" dirty="0"/>
+              <a:t>'</a:t>
+            </a:r>
+            <a:r>
+              <a:rPr lang="en-US" sz="1800" noProof="1" smtClean="0"/>
+              <a:t> </a:t>
+            </a:r>
+            <a:r>
+              <a:rPr lang="en-US" sz="1800" dirty="0"/>
+              <a:t>'</a:t>
+            </a:r>
+            <a:r>
+              <a:rPr lang="en-US" sz="1800" noProof="1" smtClean="0"/>
+              <a:t> + this.lname;}</a:t>
             </a:r>
           </a:p>
           <a:p>
@@ -14287,13 +14759,85 @@
             </a:pPr>
             <a:r>
               <a:rPr lang="en-US" sz="1800" noProof="1" smtClean="0"/>
-              <a:t>var minkov = buildPerson("Doncho","Minkov");</a:t>
-            </a:r>
-          </a:p>
-          <a:p>
+              <a:t>var minkov = buildPerson(</a:t>
+            </a:r>
+            <a:r>
+              <a:rPr lang="en-US" sz="1800" dirty="0"/>
+              <a:t>'</a:t>
+            </a:r>
             <a:r>
               <a:rPr lang="en-US" sz="1800" noProof="1" smtClean="0"/>
-              <a:t>var georgiev = buildPerson("Georgi","Georgiev");</a:t>
+              <a:t>Doncho</a:t>
+            </a:r>
+            <a:r>
+              <a:rPr lang="en-US" sz="1800" dirty="0" smtClean="0"/>
+              <a:t>'</a:t>
+            </a:r>
+            <a:r>
+              <a:rPr lang="en-US" sz="1800" noProof="1" smtClean="0"/>
+              <a:t>,</a:t>
+            </a:r>
+            <a:r>
+              <a:rPr lang="en-US" sz="1800" dirty="0"/>
+              <a:t> </a:t>
+            </a:r>
+            <a:r>
+              <a:rPr lang="en-US" sz="1800" dirty="0" smtClean="0"/>
+              <a:t>'</a:t>
+            </a:r>
+            <a:r>
+              <a:rPr lang="en-US" sz="1800" noProof="1" smtClean="0"/>
+              <a:t>Minkov</a:t>
+            </a:r>
+            <a:r>
+              <a:rPr lang="en-US" sz="1800" dirty="0"/>
+              <a:t>'</a:t>
+            </a:r>
+            <a:r>
+              <a:rPr lang="en-US" sz="1800" noProof="1" smtClean="0"/>
+              <a:t>);</a:t>
+            </a:r>
+          </a:p>
+          <a:p>
+            <a:r>
+              <a:rPr lang="en-US" sz="1800" noProof="1" smtClean="0"/>
+              <a:t>var georgiev = buildPerson(</a:t>
+            </a:r>
+            <a:r>
+              <a:rPr lang="en-US" sz="1800" dirty="0" smtClean="0"/>
+              <a:t>'</a:t>
+            </a:r>
+            <a:r>
+              <a:rPr lang="en-US" sz="1800" noProof="1" smtClean="0"/>
+              <a:t>Georgi</a:t>
+            </a:r>
+            <a:r>
+              <a:rPr lang="en-US" sz="1800" dirty="0" smtClean="0"/>
+              <a:t>'</a:t>
+            </a:r>
+            <a:r>
+              <a:rPr lang="en-US" sz="1800" noProof="1" smtClean="0"/>
+              <a:t>,</a:t>
+            </a:r>
+            <a:r>
+              <a:rPr lang="en-US" sz="1800" dirty="0"/>
+              <a:t> </a:t>
+            </a:r>
+            <a:r>
+              <a:rPr lang="en-US" sz="1800" dirty="0" smtClean="0"/>
+              <a:t>'</a:t>
+            </a:r>
+            <a:r>
+              <a:rPr lang="en-US" sz="1800" noProof="1" smtClean="0"/>
+              <a:t>Georgiev</a:t>
+            </a:r>
+            <a:r>
+              <a:rPr lang="en-US" sz="1800" dirty="0"/>
+              <a:t>'</a:t>
+            </a:r>
+            <a:r>
+              <a:rPr lang="en-US" sz="1800" noProof="1" smtClean="0"/>
+              <a:t>);</a:t>
             </a:r>
             <a:endParaRPr lang="en-US" sz="1800" noProof="1"/>
           </a:p>
@@ -14621,8 +15165,8 @@
         </p:nvSpPr>
         <p:spPr>
           <a:xfrm>
-            <a:off x="1331913" y="1295400"/>
-            <a:ext cx="6480175" cy="736600"/>
+            <a:off x="2196002" y="813520"/>
+            <a:ext cx="4751998" cy="1758360"/>
           </a:xfrm>
         </p:spPr>
         <p:txBody>
@@ -14635,8 +15179,19 @@
               </a:lnSpc>
             </a:pPr>
             <a:r>
+              <a:rPr lang="en-US" dirty="0" smtClean="0"/>
+              <a:t>Object Types </a:t>
+            </a:r>
+            <a:br>
+              <a:rPr lang="en-US" dirty="0" smtClean="0"/>
+            </a:br>
+            <a:r>
+              <a:rPr lang="en-US" dirty="0" smtClean="0"/>
+              <a:t>and </a:t>
+            </a:r>
+            <a:r>
               <a:rPr lang="en-US" dirty="0"/>
-              <a:t>Classes and Objects</a:t>
+              <a:t>Objects</a:t>
             </a:r>
             <a:endParaRPr lang="bg-BG" dirty="0"/>
           </a:p>
@@ -14654,7 +15209,7 @@
         </p:nvSpPr>
         <p:spPr>
           <a:xfrm>
-            <a:off x="457200" y="2139880"/>
+            <a:off x="457200" y="2571880"/>
             <a:ext cx="8229600" cy="569120"/>
           </a:xfrm>
         </p:spPr>
@@ -15238,7 +15793,23 @@
           <a:p>
             <a:r>
               <a:rPr lang="en-US" sz="1900" noProof="1" smtClean="0"/>
-              <a:t>document.write === document["write"] // results in true</a:t>
+              <a:t>document.write === document[</a:t>
+            </a:r>
+            <a:r>
+              <a:rPr lang="en-US" sz="1800" dirty="0" smtClean="0"/>
+              <a:t>'</a:t>
+            </a:r>
+            <a:r>
+              <a:rPr lang="en-US" sz="1900" noProof="1" smtClean="0"/>
+              <a:t>write</a:t>
+            </a:r>
+            <a:r>
+              <a:rPr lang="en-US" sz="1800" dirty="0"/>
+              <a:t>'</a:t>
+            </a:r>
+            <a:r>
+              <a:rPr lang="en-US" sz="1900" noProof="1" smtClean="0"/>
+              <a:t>] // results in true</a:t>
             </a:r>
           </a:p>
         </p:txBody>
@@ -16697,13 +17268,45 @@
           <a:p>
             <a:r>
               <a:rPr lang="en-US" sz="1800" noProof="1" smtClean="0"/>
-              <a:t>var arr = [1,2,1,4,1,3,4,1,111,3,2,1,"1"];</a:t>
-            </a:r>
-          </a:p>
-          <a:p>
+              <a:t>var arr = [1,2,1,4,1,3,4,1,111,3,2,1,</a:t>
+            </a:r>
+            <a:r>
+              <a:rPr lang="en-US" sz="1800" dirty="0" smtClean="0"/>
+              <a:t>'</a:t>
+            </a:r>
             <a:r>
               <a:rPr lang="en-US" sz="1800" noProof="1" smtClean="0"/>
-              <a:t>arr.remove(1); //arr = [2,4,3,4,111,3,2,"1"];</a:t>
+              <a:t>1</a:t>
+            </a:r>
+            <a:r>
+              <a:rPr lang="en-US" sz="1800" dirty="0"/>
+              <a:t>'</a:t>
+            </a:r>
+            <a:r>
+              <a:rPr lang="en-US" sz="1800" noProof="1" smtClean="0"/>
+              <a:t>];</a:t>
+            </a:r>
+          </a:p>
+          <a:p>
+            <a:r>
+              <a:rPr lang="en-US" sz="1800" noProof="1" smtClean="0"/>
+              <a:t>arr.remove(1); //arr = [2,4,3,4,111,3,2,</a:t>
+            </a:r>
+            <a:r>
+              <a:rPr lang="en-US" sz="1800" dirty="0" smtClean="0"/>
+              <a:t>'</a:t>
+            </a:r>
+            <a:r>
+              <a:rPr lang="en-US" sz="1800" noProof="1" smtClean="0"/>
+              <a:t>1</a:t>
+            </a:r>
+            <a:r>
+              <a:rPr lang="en-US" sz="1800" dirty="0"/>
+              <a:t>'</a:t>
+            </a:r>
+            <a:r>
+              <a:rPr lang="en-US" sz="1800" noProof="1" smtClean="0"/>
+              <a:t>];</a:t>
             </a:r>
           </a:p>
         </p:txBody>
@@ -16946,7 +17549,27 @@
           <a:p>
             <a:r>
               <a:rPr lang="en-US" sz="1800" noProof="1" smtClean="0"/>
-              <a:t>var hasProp = hasProperty(obj,"length");</a:t>
+              <a:t>var hasProp = hasProperty(obj,</a:t>
+            </a:r>
+            <a:r>
+              <a:rPr lang="en-US" sz="1800" dirty="0"/>
+              <a:t> </a:t>
+            </a:r>
+            <a:r>
+              <a:rPr lang="en-US" sz="1800" dirty="0" smtClean="0"/>
+              <a:t>'</a:t>
+            </a:r>
+            <a:r>
+              <a:rPr lang="en-US" sz="1800" noProof="1" smtClean="0"/>
+              <a:t>length</a:t>
+            </a:r>
+            <a:r>
+              <a:rPr lang="en-US" sz="1800" dirty="0"/>
+              <a:t>'</a:t>
+            </a:r>
+            <a:r>
+              <a:rPr lang="en-US" sz="1800" noProof="1" smtClean="0"/>
+              <a:t>);</a:t>
             </a:r>
           </a:p>
         </p:txBody>
@@ -17415,13 +18038,77 @@
           <a:p>
             <a:r>
               <a:rPr lang="en-US" sz="1800" noProof="1" smtClean="0"/>
-              <a:t>  {firstname : "Gosho", lastname: "Petrov", age: 32}, </a:t>
-            </a:r>
-          </a:p>
-          <a:p>
+              <a:t>  { firstname : </a:t>
+            </a:r>
+            <a:r>
+              <a:rPr lang="en-US" sz="1800" dirty="0" smtClean="0"/>
+              <a:t>'</a:t>
+            </a:r>
             <a:r>
               <a:rPr lang="en-US" sz="1800" noProof="1" smtClean="0"/>
-              <a:t>  {firstname : "Bay", lastname: "Ivan", age: 81},…];</a:t>
+              <a:t>Gosho</a:t>
+            </a:r>
+            <a:r>
+              <a:rPr lang="en-US" sz="1800" dirty="0"/>
+              <a:t>'</a:t>
+            </a:r>
+            <a:r>
+              <a:rPr lang="en-US" sz="1800" noProof="1" smtClean="0"/>
+              <a:t>, lastname: </a:t>
+            </a:r>
+            <a:r>
+              <a:rPr lang="en-US" sz="1800" dirty="0" smtClean="0"/>
+              <a:t>'</a:t>
+            </a:r>
+            <a:r>
+              <a:rPr lang="en-US" sz="1800" noProof="1" smtClean="0"/>
+              <a:t>Petrov</a:t>
+            </a:r>
+            <a:r>
+              <a:rPr lang="en-US" sz="1800" dirty="0"/>
+              <a:t>'</a:t>
+            </a:r>
+            <a:r>
+              <a:rPr lang="en-US" sz="1800" noProof="1" smtClean="0"/>
+              <a:t>, age: 32 }, </a:t>
+            </a:r>
+          </a:p>
+          <a:p>
+            <a:r>
+              <a:rPr lang="en-US" sz="1800" noProof="1" smtClean="0"/>
+              <a:t>  { firstname : </a:t>
+            </a:r>
+            <a:r>
+              <a:rPr lang="en-US" sz="1800" dirty="0" smtClean="0"/>
+              <a:t>'</a:t>
+            </a:r>
+            <a:r>
+              <a:rPr lang="en-US" sz="1800" noProof="1" smtClean="0"/>
+              <a:t>Bay</a:t>
+            </a:r>
+            <a:r>
+              <a:rPr lang="en-US" sz="1800" dirty="0"/>
+              <a:t>'</a:t>
+            </a:r>
+            <a:r>
+              <a:rPr lang="en-US" sz="1800" noProof="1" smtClean="0"/>
+              <a:t>, lastname: </a:t>
+            </a:r>
+            <a:r>
+              <a:rPr lang="en-US" sz="1800" dirty="0" smtClean="0"/>
+              <a:t>'</a:t>
+            </a:r>
+            <a:r>
+              <a:rPr lang="en-US" sz="1800" noProof="1" smtClean="0"/>
+              <a:t>Ivan</a:t>
+            </a:r>
+            <a:r>
+              <a:rPr lang="en-US" sz="1800" dirty="0"/>
+              <a:t>'</a:t>
+            </a:r>
+            <a:r>
+              <a:rPr lang="en-US" sz="1800" noProof="1" smtClean="0"/>
+              <a:t>, age: 81},… ];</a:t>
             </a:r>
           </a:p>
         </p:txBody>
@@ -17664,13 +18351,45 @@
           <a:p>
             <a:r>
               <a:rPr lang="en-US" sz="1800" noProof="1" smtClean="0"/>
-              <a:t>var groupedByFname = group(persons,"firstname");</a:t>
-            </a:r>
-          </a:p>
-          <a:p>
+              <a:t>var groupedByFname = group(persons, </a:t>
+            </a:r>
+            <a:r>
+              <a:rPr lang="en-US" sz="1800" dirty="0" smtClean="0"/>
+              <a:t>'</a:t>
+            </a:r>
             <a:r>
               <a:rPr lang="en-US" sz="1800" noProof="1" smtClean="0"/>
-              <a:t>var groupedByAge= group(persons,"age");</a:t>
+              <a:t>firstname</a:t>
+            </a:r>
+            <a:r>
+              <a:rPr lang="en-US" sz="1800" dirty="0"/>
+              <a:t>'</a:t>
+            </a:r>
+            <a:r>
+              <a:rPr lang="en-US" sz="1800" noProof="1" smtClean="0"/>
+              <a:t>);</a:t>
+            </a:r>
+          </a:p>
+          <a:p>
+            <a:r>
+              <a:rPr lang="en-US" sz="1800" noProof="1" smtClean="0"/>
+              <a:t>var groupedByAge= group(persons, </a:t>
+            </a:r>
+            <a:r>
+              <a:rPr lang="en-US" sz="1800" dirty="0" smtClean="0"/>
+              <a:t>'</a:t>
+            </a:r>
+            <a:r>
+              <a:rPr lang="en-US" sz="1800" noProof="1" smtClean="0"/>
+              <a:t>age</a:t>
+            </a:r>
+            <a:r>
+              <a:rPr lang="en-US" sz="1800" dirty="0"/>
+              <a:t>'</a:t>
+            </a:r>
+            <a:r>
+              <a:rPr lang="en-US" sz="1800" noProof="1" smtClean="0"/>
+              <a:t>);</a:t>
             </a:r>
             <a:endParaRPr lang="en-US" sz="1800" noProof="1"/>
           </a:p>
@@ -17973,7 +18692,7 @@
               </a:lnSpc>
             </a:pPr>
             <a:r>
-              <a:rPr lang="en-US"/>
+              <a:rPr lang="en-US" dirty="0"/>
               <a:t>How do software objects implement real-world objects?</a:t>
             </a:r>
           </a:p>
@@ -17984,7 +18703,7 @@
               </a:lnSpc>
             </a:pPr>
             <a:r>
-              <a:rPr lang="en-US"/>
+              <a:rPr lang="en-US" dirty="0"/>
               <a:t>Use variables/data to implement states</a:t>
             </a:r>
           </a:p>
@@ -17995,7 +18714,7 @@
               </a:lnSpc>
             </a:pPr>
             <a:r>
-              <a:rPr lang="en-US"/>
+              <a:rPr lang="en-US" dirty="0"/>
               <a:t>Use methods/functions to implement behaviors</a:t>
             </a:r>
           </a:p>
@@ -18006,7 +18725,7 @@
               </a:lnSpc>
             </a:pPr>
             <a:r>
-              <a:rPr lang="en-US"/>
+              <a:rPr lang="en-US" dirty="0"/>
               <a:t>An object is a software bundle of variables and related methods</a:t>
             </a:r>
           </a:p>
@@ -18952,11 +19671,11 @@
               </a:lnSpc>
             </a:pPr>
             <a:r>
-              <a:rPr lang="en-US" smtClean="0"/>
+              <a:rPr lang="en-US" dirty="0" smtClean="0"/>
               <a:t>The formal definition of </a:t>
             </a:r>
             <a:r>
-              <a:rPr lang="en-US" smtClean="0">
+              <a:rPr lang="en-US" dirty="0" smtClean="0">
                 <a:solidFill>
                   <a:schemeClr val="accent5">
                     <a:lumMod val="20000"/>
@@ -18964,12 +19683,13 @@
                   </a:schemeClr>
                 </a:solidFill>
               </a:rPr>
-              <a:t>class</a:t>
-            </a:r>
-            <a:r>
-              <a:rPr lang="en-US" smtClean="0"/>
+              <a:t>a object type</a:t>
+            </a:r>
+            <a:r>
+              <a:rPr lang="en-US" dirty="0" smtClean="0"/>
               <a:t>:</a:t>
             </a:r>
+            <a:endParaRPr lang="en-US" dirty="0" smtClean="0"/>
           </a:p>
           <a:p>
             <a:pPr>
@@ -18977,7 +19697,7 @@
                 <a:spcPts val="4400"/>
               </a:lnSpc>
             </a:pPr>
-            <a:endParaRPr lang="en-US" smtClean="0"/>
+            <a:endParaRPr lang="en-US" dirty="0" smtClean="0"/>
           </a:p>
           <a:p>
             <a:pPr>
@@ -18985,7 +19705,7 @@
                 <a:spcPts val="4400"/>
               </a:lnSpc>
             </a:pPr>
-            <a:endParaRPr lang="en-US" smtClean="0"/>
+            <a:endParaRPr lang="en-US" dirty="0" smtClean="0"/>
           </a:p>
           <a:p>
             <a:pPr>
@@ -18993,7 +19713,7 @@
                 <a:spcPts val="4400"/>
               </a:lnSpc>
             </a:pPr>
-            <a:endParaRPr lang="en-US" smtClean="0"/>
+            <a:endParaRPr lang="en-US" dirty="0" smtClean="0"/>
           </a:p>
           <a:p>
             <a:pPr>
@@ -19001,7 +19721,7 @@
                 <a:spcPts val="4400"/>
               </a:lnSpc>
             </a:pPr>
-            <a:endParaRPr lang="en-US"/>
+            <a:endParaRPr lang="en-US" dirty="0"/>
           </a:p>
           <a:p>
             <a:pPr algn="r">
@@ -19015,14 +19735,14 @@
               <a:buNone/>
             </a:pPr>
             <a:r>
-              <a:rPr lang="en-US" sz="2800"/>
+              <a:rPr lang="en-US" sz="2800" dirty="0"/>
               <a:t>Definition by </a:t>
             </a:r>
             <a:r>
-              <a:rPr lang="en-US" sz="2800" smtClean="0"/>
+              <a:rPr lang="en-US" sz="2800" dirty="0" smtClean="0"/>
               <a:t>Google</a:t>
             </a:r>
-            <a:endParaRPr lang="en-US" sz="3400"/>
+            <a:endParaRPr lang="en-US" sz="3400" dirty="0"/>
           </a:p>
         </p:txBody>
       </p:sp>
@@ -19300,7 +20020,7 @@
           <a:p>
             <a:pPr algn="just"/>
             <a:r>
-              <a:rPr lang="en-US" sz="3200" smtClean="0">
+              <a:rPr lang="en-US" sz="3200" dirty="0" smtClean="0">
                 <a:solidFill>
                   <a:schemeClr val="accent5">
                     <a:lumMod val="20000"/>
@@ -19309,10 +20029,10 @@
                 </a:solidFill>
                 <a:latin typeface="+mn-lt"/>
               </a:rPr>
-              <a:t>Classes</a:t>
-            </a:r>
-            <a:r>
-              <a:rPr lang="en-US" sz="3200" smtClean="0">
+              <a:t>Object types</a:t>
+            </a:r>
+            <a:r>
+              <a:rPr lang="en-US" sz="3200" dirty="0" smtClean="0">
                 <a:solidFill>
                   <a:schemeClr val="tx1">
                     <a:lumMod val="40000"/>
@@ -19321,9 +20041,57 @@
                 </a:solidFill>
                 <a:latin typeface="+mn-lt"/>
               </a:rPr>
-              <a:t> act as templates from which an instance of an object is created at run time. Classes define the properties of the object and the methods used to control the object's behavior.</a:t>
-            </a:r>
-            <a:endParaRPr lang="en-US" sz="3200">
+              <a:t> </a:t>
+            </a:r>
+            <a:r>
+              <a:rPr lang="en-US" sz="3200" dirty="0" smtClean="0">
+                <a:solidFill>
+                  <a:schemeClr val="tx1">
+                    <a:lumMod val="40000"/>
+                    <a:lumOff val="60000"/>
+                  </a:schemeClr>
+                </a:solidFill>
+                <a:latin typeface="+mn-lt"/>
+              </a:rPr>
+              <a:t>act as templates from which an instance of an object is created at run time. </a:t>
+            </a:r>
+            <a:r>
+              <a:rPr lang="en-US" sz="3200" dirty="0" smtClean="0">
+                <a:solidFill>
+                  <a:schemeClr val="tx1">
+                    <a:lumMod val="40000"/>
+                    <a:lumOff val="60000"/>
+                  </a:schemeClr>
+                </a:solidFill>
+                <a:latin typeface="+mn-lt"/>
+              </a:rPr>
+              <a:t>Types </a:t>
+            </a:r>
+            <a:r>
+              <a:rPr lang="en-US" sz="3200" dirty="0" smtClean="0">
+                <a:solidFill>
+                  <a:schemeClr val="tx1">
+                    <a:lumMod val="40000"/>
+                    <a:lumOff val="60000"/>
+                  </a:schemeClr>
+                </a:solidFill>
+                <a:latin typeface="+mn-lt"/>
+              </a:rPr>
+              <a:t>define </a:t>
+            </a:r>
+            <a:r>
+              <a:rPr lang="en-US" sz="3200" dirty="0" smtClean="0">
+                <a:solidFill>
+                  <a:schemeClr val="tx1">
+                    <a:lumMod val="40000"/>
+                    <a:lumOff val="60000"/>
+                  </a:schemeClr>
+                </a:solidFill>
+                <a:latin typeface="+mn-lt"/>
+              </a:rPr>
+              <a:t>the properties of the object and the methods used to control the object's behavior.</a:t>
+            </a:r>
+            <a:endParaRPr lang="en-US" sz="3200" dirty="0">
               <a:solidFill>
                 <a:schemeClr val="tx1">
                   <a:lumMod val="40000"/>
@@ -19389,10 +20157,10 @@
           <a:lstStyle/>
           <a:p>
             <a:r>
-              <a:rPr lang="en-US"/>
-              <a:t>Classes</a:t>
-            </a:r>
-            <a:endParaRPr lang="bg-BG"/>
+              <a:rPr lang="en-US" dirty="0" smtClean="0"/>
+              <a:t>Object Types</a:t>
+            </a:r>
+            <a:endParaRPr lang="bg-BG" dirty="0"/>
           </a:p>
         </p:txBody>
       </p:sp>
@@ -19425,8 +20193,12 @@
               </a:spcBef>
             </a:pPr>
             <a:r>
-              <a:rPr kumimoji="0" lang="en-US"/>
-              <a:t>Classes provide the structure for objects</a:t>
+              <a:rPr kumimoji="0" lang="en-US" dirty="0" smtClean="0"/>
+              <a:t>Object Types </a:t>
+            </a:r>
+            <a:r>
+              <a:rPr kumimoji="0" lang="en-US" dirty="0"/>
+              <a:t>provide the structure for objects</a:t>
             </a:r>
           </a:p>
           <a:p>
@@ -19439,14 +20211,14 @@
               </a:spcBef>
             </a:pPr>
             <a:r>
-              <a:rPr kumimoji="0" lang="en-US"/>
+              <a:rPr kumimoji="0" lang="en-US" dirty="0"/>
               <a:t>Define their </a:t>
             </a:r>
             <a:r>
-              <a:rPr kumimoji="0" lang="en-US" smtClean="0"/>
+              <a:rPr kumimoji="0" lang="en-US" dirty="0" smtClean="0"/>
               <a:t>prototype, act as template</a:t>
             </a:r>
-            <a:endParaRPr kumimoji="0" lang="en-US"/>
+            <a:endParaRPr kumimoji="0" lang="en-US" dirty="0"/>
           </a:p>
           <a:p>
             <a:pPr>
@@ -19458,8 +20230,12 @@
               </a:spcBef>
             </a:pPr>
             <a:r>
-              <a:rPr kumimoji="0" lang="en-US"/>
-              <a:t>Classes define:</a:t>
+              <a:rPr kumimoji="0" lang="en-US" dirty="0" smtClean="0"/>
+              <a:t>Object Types </a:t>
+            </a:r>
+            <a:r>
+              <a:rPr kumimoji="0" lang="en-US" dirty="0"/>
+              <a:t>define:</a:t>
             </a:r>
           </a:p>
           <a:p>
@@ -19472,11 +20248,11 @@
               </a:spcBef>
             </a:pPr>
             <a:r>
-              <a:rPr kumimoji="0" lang="en-US"/>
+              <a:rPr kumimoji="0" lang="en-US" dirty="0"/>
               <a:t>Set of </a:t>
             </a:r>
             <a:r>
-              <a:rPr kumimoji="0" lang="en-US">
+              <a:rPr kumimoji="0" lang="en-US" dirty="0">
                 <a:solidFill>
                   <a:schemeClr val="accent5">
                     <a:lumMod val="20000"/>
@@ -19497,10 +20273,10 @@
               </a:spcBef>
             </a:pPr>
             <a:r>
-              <a:rPr lang="en-US" smtClean="0"/>
+              <a:rPr lang="en-US" dirty="0" smtClean="0"/>
               <a:t>Represented by variables and properties</a:t>
             </a:r>
-            <a:endParaRPr kumimoji="0" lang="en-US" smtClean="0"/>
+            <a:endParaRPr kumimoji="0" lang="en-US" dirty="0" smtClean="0"/>
           </a:p>
           <a:p>
             <a:pPr lvl="2">
@@ -19512,11 +20288,11 @@
               </a:spcBef>
             </a:pPr>
             <a:r>
-              <a:rPr kumimoji="0" lang="en-US" smtClean="0"/>
+              <a:rPr kumimoji="0" lang="en-US" dirty="0" smtClean="0"/>
               <a:t>Hold their </a:t>
             </a:r>
             <a:r>
-              <a:rPr kumimoji="0" lang="en-US">
+              <a:rPr kumimoji="0" lang="en-US" dirty="0">
                 <a:solidFill>
                   <a:schemeClr val="accent5">
                     <a:lumMod val="20000"/>
@@ -19537,11 +20313,11 @@
               </a:spcBef>
             </a:pPr>
             <a:r>
-              <a:rPr kumimoji="0" lang="en-US" smtClean="0"/>
+              <a:rPr kumimoji="0" lang="en-US" dirty="0" smtClean="0"/>
               <a:t>Set of actions (</a:t>
             </a:r>
             <a:r>
-              <a:rPr kumimoji="0" lang="en-US" smtClean="0">
+              <a:rPr kumimoji="0" lang="en-US" dirty="0" smtClean="0">
                 <a:solidFill>
                   <a:schemeClr val="accent5">
                     <a:lumMod val="20000"/>
@@ -19552,10 +20328,10 @@
               <a:t>behavior</a:t>
             </a:r>
             <a:r>
-              <a:rPr lang="en-US" smtClean="0"/>
+              <a:rPr lang="en-US" dirty="0" smtClean="0"/>
               <a:t>)</a:t>
             </a:r>
-            <a:endParaRPr kumimoji="0" lang="en-US">
+            <a:endParaRPr kumimoji="0" lang="en-US" dirty="0">
               <a:solidFill>
                 <a:schemeClr val="accent5">
                   <a:lumMod val="20000"/>
@@ -19574,7 +20350,7 @@
               </a:spcBef>
             </a:pPr>
             <a:r>
-              <a:rPr kumimoji="0" lang="en-US"/>
+              <a:rPr kumimoji="0" lang="en-US" dirty="0"/>
               <a:t>Represented by methods</a:t>
             </a:r>
           </a:p>
@@ -19588,8 +20364,16 @@
               </a:spcBef>
             </a:pPr>
             <a:r>
-              <a:rPr kumimoji="0" lang="en-US"/>
-              <a:t>A class defines the methods and types of data associated with an object</a:t>
+              <a:rPr kumimoji="0" lang="en-US" dirty="0"/>
+              <a:t>A </a:t>
+            </a:r>
+            <a:r>
+              <a:rPr kumimoji="0" lang="en-US" dirty="0" smtClean="0"/>
+              <a:t>type defines </a:t>
+            </a:r>
+            <a:r>
+              <a:rPr kumimoji="0" lang="en-US" dirty="0"/>
+              <a:t>the methods and types of data associated with an object</a:t>
             </a:r>
           </a:p>
         </p:txBody>
@@ -19648,10 +20432,14 @@
           <a:lstStyle/>
           <a:p>
             <a:r>
-              <a:rPr lang="en-US"/>
-              <a:t>Classes – Example</a:t>
-            </a:r>
-            <a:endParaRPr lang="bg-BG"/>
+              <a:rPr lang="en-US" dirty="0" smtClean="0"/>
+              <a:t>Object Types </a:t>
+            </a:r>
+            <a:r>
+              <a:rPr lang="en-US" dirty="0"/>
+              <a:t>– Example</a:t>
+            </a:r>
+            <a:endParaRPr lang="bg-BG" dirty="0"/>
           </a:p>
         </p:txBody>
       </p:sp>
@@ -20078,7 +20866,7 @@
               <a:buSzPct val="70000"/>
             </a:pPr>
             <a:r>
-              <a:rPr lang="en-US" sz="2800" b="1" smtClean="0">
+              <a:rPr lang="en-US" sz="2800" b="1" dirty="0" smtClean="0">
                 <a:solidFill>
                   <a:srgbClr val="F7FFE7"/>
                 </a:solidFill>
@@ -20092,9 +20880,9 @@
                 <a:latin typeface="+mn-lt"/>
                 <a:cs typeface="Consolas" pitchFamily="49" charset="0"/>
               </a:rPr>
-              <a:t>Class Name</a:t>
-            </a:r>
-            <a:endParaRPr lang="bg-BG" sz="2800" b="1">
+              <a:t>Type Name</a:t>
+            </a:r>
+            <a:endParaRPr lang="bg-BG" sz="2800" b="1" dirty="0">
               <a:solidFill>
                 <a:srgbClr val="F7FFE7"/>
               </a:solidFill>
@@ -20946,7 +21734,7 @@
   <a:extraClrSchemeLst/>
   <a:extLst>
     <a:ext uri="{05A4C25C-085E-4340-85A3-A5531E510DB2}">
-      <thm15:themeFamily xmlns:thm15="http://schemas.microsoft.com/office/thememl/2012/main" xmlns="" name="Office Theme" id="{62F939B6-93AF-4DB8-9C6B-D6C7DFDC589F}" vid="{4A3C46E8-61CC-4603-A589-7422A47A8E4A}"/>
+      <thm15:themeFamily xmlns:thm15="http://schemas.microsoft.com/office/thememl/2012/main" name="Office Theme" id="{62F939B6-93AF-4DB8-9C6B-D6C7DFDC589F}" vid="{4A3C46E8-61CC-4603-A589-7422A47A8E4A}"/>
     </a:ext>
   </a:extLst>
 </a:theme>
